--- a/Project- Memory Management Stimulator/OS PROJECT.pptx
+++ b/Project- Memory Management Stimulator/OS PROJECT.pptx
@@ -14,6 +14,18 @@
     <p:sldId id="262" r:id="rId8"/>
     <p:sldId id="263" r:id="rId9"/>
     <p:sldId id="264" r:id="rId10"/>
+    <p:sldId id="270" r:id="rId11"/>
+    <p:sldId id="271" r:id="rId12"/>
+    <p:sldId id="272" r:id="rId13"/>
+    <p:sldId id="273" r:id="rId14"/>
+    <p:sldId id="274" r:id="rId15"/>
+    <p:sldId id="275" r:id="rId16"/>
+    <p:sldId id="268" r:id="rId17"/>
+    <p:sldId id="269" r:id="rId18"/>
+    <p:sldId id="267" r:id="rId19"/>
+    <p:sldId id="266" r:id="rId20"/>
+    <p:sldId id="265" r:id="rId21"/>
+    <p:sldId id="276" r:id="rId22"/>
   </p:sldIdLst>
   <p:sldSz cx="12192000" cy="6858000"/>
   <p:notesSz cx="6858000" cy="9144000"/>
@@ -2998,7 +3010,7 @@
           <a:p>
             <a:fld id="{A19A9D58-FE60-45F4-98C1-9E767676052E}" type="datetimeFigureOut">
               <a:rPr lang="en-IN" smtClean="0"/>
-              <a:t>22-12-2022</a:t>
+              <a:t>23-12-2022</a:t>
             </a:fld>
             <a:endParaRPr lang="en-IN"/>
           </a:p>
@@ -3198,7 +3210,7 @@
           <a:p>
             <a:fld id="{A19A9D58-FE60-45F4-98C1-9E767676052E}" type="datetimeFigureOut">
               <a:rPr lang="en-IN" smtClean="0"/>
-              <a:t>22-12-2022</a:t>
+              <a:t>23-12-2022</a:t>
             </a:fld>
             <a:endParaRPr lang="en-IN"/>
           </a:p>
@@ -3408,7 +3420,7 @@
           <a:p>
             <a:fld id="{A19A9D58-FE60-45F4-98C1-9E767676052E}" type="datetimeFigureOut">
               <a:rPr lang="en-IN" smtClean="0"/>
-              <a:t>22-12-2022</a:t>
+              <a:t>23-12-2022</a:t>
             </a:fld>
             <a:endParaRPr lang="en-IN"/>
           </a:p>
@@ -3608,7 +3620,7 @@
           <a:p>
             <a:fld id="{A19A9D58-FE60-45F4-98C1-9E767676052E}" type="datetimeFigureOut">
               <a:rPr lang="en-IN" smtClean="0"/>
-              <a:t>22-12-2022</a:t>
+              <a:t>23-12-2022</a:t>
             </a:fld>
             <a:endParaRPr lang="en-IN"/>
           </a:p>
@@ -3884,7 +3896,7 @@
           <a:p>
             <a:fld id="{A19A9D58-FE60-45F4-98C1-9E767676052E}" type="datetimeFigureOut">
               <a:rPr lang="en-IN" smtClean="0"/>
-              <a:t>22-12-2022</a:t>
+              <a:t>23-12-2022</a:t>
             </a:fld>
             <a:endParaRPr lang="en-IN"/>
           </a:p>
@@ -4152,7 +4164,7 @@
           <a:p>
             <a:fld id="{A19A9D58-FE60-45F4-98C1-9E767676052E}" type="datetimeFigureOut">
               <a:rPr lang="en-IN" smtClean="0"/>
-              <a:t>22-12-2022</a:t>
+              <a:t>23-12-2022</a:t>
             </a:fld>
             <a:endParaRPr lang="en-IN"/>
           </a:p>
@@ -4567,7 +4579,7 @@
           <a:p>
             <a:fld id="{A19A9D58-FE60-45F4-98C1-9E767676052E}" type="datetimeFigureOut">
               <a:rPr lang="en-IN" smtClean="0"/>
-              <a:t>22-12-2022</a:t>
+              <a:t>23-12-2022</a:t>
             </a:fld>
             <a:endParaRPr lang="en-IN"/>
           </a:p>
@@ -4709,7 +4721,7 @@
           <a:p>
             <a:fld id="{A19A9D58-FE60-45F4-98C1-9E767676052E}" type="datetimeFigureOut">
               <a:rPr lang="en-IN" smtClean="0"/>
-              <a:t>22-12-2022</a:t>
+              <a:t>23-12-2022</a:t>
             </a:fld>
             <a:endParaRPr lang="en-IN"/>
           </a:p>
@@ -4822,7 +4834,7 @@
           <a:p>
             <a:fld id="{A19A9D58-FE60-45F4-98C1-9E767676052E}" type="datetimeFigureOut">
               <a:rPr lang="en-IN" smtClean="0"/>
-              <a:t>22-12-2022</a:t>
+              <a:t>23-12-2022</a:t>
             </a:fld>
             <a:endParaRPr lang="en-IN"/>
           </a:p>
@@ -5135,7 +5147,7 @@
           <a:p>
             <a:fld id="{A19A9D58-FE60-45F4-98C1-9E767676052E}" type="datetimeFigureOut">
               <a:rPr lang="en-IN" smtClean="0"/>
-              <a:t>22-12-2022</a:t>
+              <a:t>23-12-2022</a:t>
             </a:fld>
             <a:endParaRPr lang="en-IN"/>
           </a:p>
@@ -5424,7 +5436,7 @@
           <a:p>
             <a:fld id="{A19A9D58-FE60-45F4-98C1-9E767676052E}" type="datetimeFigureOut">
               <a:rPr lang="en-IN" smtClean="0"/>
-              <a:t>22-12-2022</a:t>
+              <a:t>23-12-2022</a:t>
             </a:fld>
             <a:endParaRPr lang="en-IN"/>
           </a:p>
@@ -5667,7 +5679,7 @@
           <a:p>
             <a:fld id="{A19A9D58-FE60-45F4-98C1-9E767676052E}" type="datetimeFigureOut">
               <a:rPr lang="en-IN" smtClean="0"/>
-              <a:t>22-12-2022</a:t>
+              <a:t>23-12-2022</a:t>
             </a:fld>
             <a:endParaRPr lang="en-IN"/>
           </a:p>
@@ -6097,21 +6109,17 @@
             <a:spLocks noGrp="1"/>
           </p:cNvSpPr>
           <p:nvPr>
-            <p:ph type="ctrTitle"/>
+            <p:ph type="title"/>
           </p:nvPr>
         </p:nvSpPr>
-        <p:spPr>
-          <a:xfrm>
-            <a:off x="1524000" y="1122363"/>
-            <a:ext cx="9144000" cy="477836"/>
-          </a:xfrm>
-        </p:spPr>
+        <p:spPr/>
         <p:txBody>
           <a:bodyPr>
-            <a:normAutofit fontScale="90000"/>
+            <a:normAutofit/>
           </a:bodyPr>
           <a:lstStyle/>
           <a:p>
+            <a:pPr algn="ctr"/>
             <a:r>
               <a:rPr lang="en-US" altLang="en-IN" sz="4400" b="1" i="0" dirty="0">
                 <a:solidFill>
@@ -6186,18 +6194,18 @@
             <a:spLocks noGrp="1"/>
           </p:cNvSpPr>
           <p:nvPr>
-            <p:ph type="subTitle" idx="1"/>
+            <p:ph type="subTitle" idx="4294967295"/>
           </p:nvPr>
         </p:nvSpPr>
         <p:spPr>
           <a:xfrm>
-            <a:off x="1524000" y="3602038"/>
-            <a:ext cx="3528060" cy="1655762"/>
+            <a:off x="838200" y="3561356"/>
+            <a:ext cx="4913313" cy="1939925"/>
           </a:xfrm>
         </p:spPr>
         <p:txBody>
           <a:bodyPr>
-            <a:normAutofit fontScale="62500" lnSpcReduction="20000"/>
+            <a:normAutofit fontScale="85000" lnSpcReduction="20000"/>
           </a:bodyPr>
           <a:lstStyle/>
           <a:p>
@@ -6504,7 +6512,7 @@
         </p:nvSpPr>
         <p:spPr>
           <a:xfrm>
-            <a:off x="320040" y="5735637"/>
+            <a:off x="320040" y="5902905"/>
             <a:ext cx="11871960" cy="646331"/>
           </a:xfrm>
           <a:prstGeom prst="rect">
@@ -6541,10 +6549,10 @@
       </p:sp>
       <p:sp>
         <p:nvSpPr>
-          <p:cNvPr id="8" name="TextBox 7">
+          <p:cNvPr id="5" name="TextBox 4">
             <a:extLst>
               <a:ext uri="{FF2B5EF4-FFF2-40B4-BE49-F238E27FC236}">
-                <a16:creationId xmlns:a16="http://schemas.microsoft.com/office/drawing/2014/main" id="{3C301FE1-22EC-DC7C-4B6B-263E1B968F7F}"/>
+                <a16:creationId xmlns:a16="http://schemas.microsoft.com/office/drawing/2014/main" id="{BA4EDFBB-540F-DD71-F59C-E35B2DA11335}"/>
               </a:ext>
             </a:extLst>
           </p:cNvPr>
@@ -6553,8 +6561,8 @@
         </p:nvSpPr>
         <p:spPr>
           <a:xfrm>
-            <a:off x="8336021" y="3602038"/>
-            <a:ext cx="6094140" cy="923330"/>
+            <a:off x="7527073" y="3561356"/>
+            <a:ext cx="3579541" cy="1446550"/>
           </a:xfrm>
           <a:prstGeom prst="rect">
             <a:avLst/>
@@ -6562,33 +6570,46 @@
           <a:noFill/>
         </p:spPr>
         <p:txBody>
-          <a:bodyPr wrap="square">
+          <a:bodyPr wrap="square" rtlCol="0">
             <a:spAutoFit/>
           </a:bodyPr>
           <a:lstStyle/>
           <a:p>
             <a:r>
-              <a:rPr lang="en-IN" b="1" dirty="0">
+              <a:rPr lang="en-US" sz="2200" b="1" dirty="0">
                 <a:latin typeface="Times New Roman" panose="02020603050405020304" pitchFamily="18" charset="0"/>
                 <a:cs typeface="Times New Roman" panose="02020603050405020304" pitchFamily="18" charset="0"/>
               </a:rPr>
-              <a:t>Submitted To</a:t>
+              <a:t>Submitted To:</a:t>
             </a:r>
           </a:p>
           <a:p>
-            <a:endParaRPr lang="en-IN" b="1" dirty="0">
+            <a:r>
+              <a:rPr lang="en-US" sz="2200" b="1" dirty="0">
+                <a:latin typeface="Times New Roman" panose="02020603050405020304" pitchFamily="18" charset="0"/>
+                <a:cs typeface="Times New Roman" panose="02020603050405020304" pitchFamily="18" charset="0"/>
+              </a:rPr>
+              <a:t>MR. SAURABH SHARMA</a:t>
+            </a:r>
+          </a:p>
+          <a:p>
+            <a:endParaRPr lang="en-US" sz="2200" b="1" dirty="0">
               <a:latin typeface="Times New Roman" panose="02020603050405020304" pitchFamily="18" charset="0"/>
               <a:cs typeface="Times New Roman" panose="02020603050405020304" pitchFamily="18" charset="0"/>
             </a:endParaRPr>
           </a:p>
           <a:p>
             <a:r>
-              <a:rPr lang="en-IN" b="1" dirty="0">
+              <a:rPr lang="en-US" sz="2200" b="1" dirty="0">
                 <a:latin typeface="Times New Roman" panose="02020603050405020304" pitchFamily="18" charset="0"/>
                 <a:cs typeface="Times New Roman" panose="02020603050405020304" pitchFamily="18" charset="0"/>
               </a:rPr>
               <a:t>Assistant Professor</a:t>
             </a:r>
+            <a:endParaRPr lang="en-IN" sz="2200" b="1" dirty="0">
+              <a:latin typeface="Times New Roman" panose="02020603050405020304" pitchFamily="18" charset="0"/>
+              <a:cs typeface="Times New Roman" panose="02020603050405020304" pitchFamily="18" charset="0"/>
+            </a:endParaRPr>
           </a:p>
         </p:txBody>
       </p:sp>
@@ -6596,6 +6617,983 @@
     <p:extLst>
       <p:ext uri="{BB962C8B-B14F-4D97-AF65-F5344CB8AC3E}">
         <p14:creationId xmlns:p14="http://schemas.microsoft.com/office/powerpoint/2010/main" val="2798551059"/>
+      </p:ext>
+    </p:extLst>
+  </p:cSld>
+  <p:clrMapOvr>
+    <a:masterClrMapping/>
+  </p:clrMapOvr>
+</p:sld>
+</file>
+
+<file path=ppt/slides/slide10.xml><?xml version="1.0" encoding="utf-8"?>
+<p:sld xmlns:a="http://schemas.openxmlformats.org/drawingml/2006/main" xmlns:r="http://schemas.openxmlformats.org/officeDocument/2006/relationships" xmlns:p="http://schemas.openxmlformats.org/presentationml/2006/main">
+  <p:cSld>
+    <p:spTree>
+      <p:nvGrpSpPr>
+        <p:cNvPr id="1" name=""/>
+        <p:cNvGrpSpPr/>
+        <p:nvPr/>
+      </p:nvGrpSpPr>
+      <p:grpSpPr>
+        <a:xfrm>
+          <a:off x="0" y="0"/>
+          <a:ext cx="0" cy="0"/>
+          <a:chOff x="0" y="0"/>
+          <a:chExt cx="0" cy="0"/>
+        </a:xfrm>
+      </p:grpSpPr>
+      <p:sp>
+        <p:nvSpPr>
+          <p:cNvPr id="2" name="Title 1">
+            <a:extLst>
+              <a:ext uri="{FF2B5EF4-FFF2-40B4-BE49-F238E27FC236}">
+                <a16:creationId xmlns:a16="http://schemas.microsoft.com/office/drawing/2014/main" id="{EB212938-1050-0463-BD89-770EB2B2DB37}"/>
+              </a:ext>
+            </a:extLst>
+          </p:cNvPr>
+          <p:cNvSpPr>
+            <a:spLocks noGrp="1"/>
+          </p:cNvSpPr>
+          <p:nvPr>
+            <p:ph type="title"/>
+          </p:nvPr>
+        </p:nvSpPr>
+        <p:spPr>
+          <a:xfrm>
+            <a:off x="0" y="0"/>
+            <a:ext cx="10515600" cy="1325563"/>
+          </a:xfrm>
+        </p:spPr>
+        <p:txBody>
+          <a:bodyPr/>
+          <a:lstStyle/>
+          <a:p>
+            <a:r>
+              <a:rPr lang="en-IN" b="1" u="sng" dirty="0">
+                <a:solidFill>
+                  <a:srgbClr val="C00000"/>
+                </a:solidFill>
+                <a:latin typeface="Times New Roman" panose="02020603050405020304" pitchFamily="18" charset="0"/>
+                <a:cs typeface="Times New Roman" panose="02020603050405020304" pitchFamily="18" charset="0"/>
+              </a:rPr>
+              <a:t>CODE</a:t>
+            </a:r>
+          </a:p>
+        </p:txBody>
+      </p:sp>
+      <p:pic>
+        <p:nvPicPr>
+          <p:cNvPr id="9" name="Content Placeholder 8" descr="Graphical user interface, text, application&#10;&#10;Description automatically generated">
+            <a:extLst>
+              <a:ext uri="{FF2B5EF4-FFF2-40B4-BE49-F238E27FC236}">
+                <a16:creationId xmlns:a16="http://schemas.microsoft.com/office/drawing/2014/main" id="{ADA4A458-8928-49DB-9CA6-6AC535449FC3}"/>
+              </a:ext>
+            </a:extLst>
+          </p:cNvPr>
+          <p:cNvPicPr>
+            <a:picLocks noGrp="1" noChangeAspect="1"/>
+          </p:cNvPicPr>
+          <p:nvPr>
+            <p:ph idx="1"/>
+          </p:nvPr>
+        </p:nvPicPr>
+        <p:blipFill>
+          <a:blip r:embed="rId2">
+            <a:extLst>
+              <a:ext uri="{28A0092B-C50C-407E-A947-70E740481C1C}">
+                <a14:useLocalDpi xmlns:a14="http://schemas.microsoft.com/office/drawing/2010/main" val="0"/>
+              </a:ext>
+            </a:extLst>
+          </a:blip>
+          <a:stretch>
+            <a:fillRect/>
+          </a:stretch>
+        </p:blipFill>
+        <p:spPr>
+          <a:xfrm>
+            <a:off x="0" y="1223459"/>
+            <a:ext cx="12192000" cy="5634541"/>
+          </a:xfrm>
+        </p:spPr>
+      </p:pic>
+    </p:spTree>
+    <p:extLst>
+      <p:ext uri="{BB962C8B-B14F-4D97-AF65-F5344CB8AC3E}">
+        <p14:creationId xmlns:p14="http://schemas.microsoft.com/office/powerpoint/2010/main" val="853540157"/>
+      </p:ext>
+    </p:extLst>
+  </p:cSld>
+  <p:clrMapOvr>
+    <a:masterClrMapping/>
+  </p:clrMapOvr>
+</p:sld>
+</file>
+
+<file path=ppt/slides/slide11.xml><?xml version="1.0" encoding="utf-8"?>
+<p:sld xmlns:a="http://schemas.openxmlformats.org/drawingml/2006/main" xmlns:r="http://schemas.openxmlformats.org/officeDocument/2006/relationships" xmlns:p="http://schemas.openxmlformats.org/presentationml/2006/main">
+  <p:cSld>
+    <p:spTree>
+      <p:nvGrpSpPr>
+        <p:cNvPr id="1" name=""/>
+        <p:cNvGrpSpPr/>
+        <p:nvPr/>
+      </p:nvGrpSpPr>
+      <p:grpSpPr>
+        <a:xfrm>
+          <a:off x="0" y="0"/>
+          <a:ext cx="0" cy="0"/>
+          <a:chOff x="0" y="0"/>
+          <a:chExt cx="0" cy="0"/>
+        </a:xfrm>
+      </p:grpSpPr>
+      <p:sp>
+        <p:nvSpPr>
+          <p:cNvPr id="2" name="Title 1">
+            <a:extLst>
+              <a:ext uri="{FF2B5EF4-FFF2-40B4-BE49-F238E27FC236}">
+                <a16:creationId xmlns:a16="http://schemas.microsoft.com/office/drawing/2014/main" id="{46C44539-6BA1-5F2D-B88C-3DA168A2DCEF}"/>
+              </a:ext>
+            </a:extLst>
+          </p:cNvPr>
+          <p:cNvSpPr>
+            <a:spLocks noGrp="1"/>
+          </p:cNvSpPr>
+          <p:nvPr>
+            <p:ph type="title"/>
+          </p:nvPr>
+        </p:nvSpPr>
+        <p:spPr/>
+        <p:txBody>
+          <a:bodyPr/>
+          <a:lstStyle/>
+          <a:p>
+            <a:endParaRPr lang="en-IN"/>
+          </a:p>
+        </p:txBody>
+      </p:sp>
+      <p:pic>
+        <p:nvPicPr>
+          <p:cNvPr id="5" name="Content Placeholder 4" descr="Text&#10;&#10;Description automatically generated">
+            <a:extLst>
+              <a:ext uri="{FF2B5EF4-FFF2-40B4-BE49-F238E27FC236}">
+                <a16:creationId xmlns:a16="http://schemas.microsoft.com/office/drawing/2014/main" id="{3AE823B3-094E-FEAC-A929-AF2198906C8C}"/>
+              </a:ext>
+            </a:extLst>
+          </p:cNvPr>
+          <p:cNvPicPr>
+            <a:picLocks noGrp="1" noChangeAspect="1"/>
+          </p:cNvPicPr>
+          <p:nvPr>
+            <p:ph idx="1"/>
+          </p:nvPr>
+        </p:nvPicPr>
+        <p:blipFill>
+          <a:blip r:embed="rId2">
+            <a:extLst>
+              <a:ext uri="{28A0092B-C50C-407E-A947-70E740481C1C}">
+                <a14:useLocalDpi xmlns:a14="http://schemas.microsoft.com/office/drawing/2010/main" val="0"/>
+              </a:ext>
+            </a:extLst>
+          </a:blip>
+          <a:stretch>
+            <a:fillRect/>
+          </a:stretch>
+        </p:blipFill>
+        <p:spPr>
+          <a:xfrm>
+            <a:off x="0" y="0"/>
+            <a:ext cx="12192000" cy="6858000"/>
+          </a:xfrm>
+        </p:spPr>
+      </p:pic>
+    </p:spTree>
+    <p:extLst>
+      <p:ext uri="{BB962C8B-B14F-4D97-AF65-F5344CB8AC3E}">
+        <p14:creationId xmlns:p14="http://schemas.microsoft.com/office/powerpoint/2010/main" val="1670307966"/>
+      </p:ext>
+    </p:extLst>
+  </p:cSld>
+  <p:clrMapOvr>
+    <a:masterClrMapping/>
+  </p:clrMapOvr>
+</p:sld>
+</file>
+
+<file path=ppt/slides/slide12.xml><?xml version="1.0" encoding="utf-8"?>
+<p:sld xmlns:a="http://schemas.openxmlformats.org/drawingml/2006/main" xmlns:r="http://schemas.openxmlformats.org/officeDocument/2006/relationships" xmlns:p="http://schemas.openxmlformats.org/presentationml/2006/main">
+  <p:cSld>
+    <p:spTree>
+      <p:nvGrpSpPr>
+        <p:cNvPr id="1" name=""/>
+        <p:cNvGrpSpPr/>
+        <p:nvPr/>
+      </p:nvGrpSpPr>
+      <p:grpSpPr>
+        <a:xfrm>
+          <a:off x="0" y="0"/>
+          <a:ext cx="0" cy="0"/>
+          <a:chOff x="0" y="0"/>
+          <a:chExt cx="0" cy="0"/>
+        </a:xfrm>
+      </p:grpSpPr>
+      <p:sp>
+        <p:nvSpPr>
+          <p:cNvPr id="2" name="Title 1">
+            <a:extLst>
+              <a:ext uri="{FF2B5EF4-FFF2-40B4-BE49-F238E27FC236}">
+                <a16:creationId xmlns:a16="http://schemas.microsoft.com/office/drawing/2014/main" id="{488DCCA1-4997-52AA-BE5F-DD79E41EC3DF}"/>
+              </a:ext>
+            </a:extLst>
+          </p:cNvPr>
+          <p:cNvSpPr>
+            <a:spLocks noGrp="1"/>
+          </p:cNvSpPr>
+          <p:nvPr>
+            <p:ph type="title"/>
+          </p:nvPr>
+        </p:nvSpPr>
+        <p:spPr/>
+        <p:txBody>
+          <a:bodyPr/>
+          <a:lstStyle/>
+          <a:p>
+            <a:endParaRPr lang="en-IN"/>
+          </a:p>
+        </p:txBody>
+      </p:sp>
+      <p:pic>
+        <p:nvPicPr>
+          <p:cNvPr id="5" name="Content Placeholder 4" descr="Graphical user interface, text, application, email&#10;&#10;Description automatically generated">
+            <a:extLst>
+              <a:ext uri="{FF2B5EF4-FFF2-40B4-BE49-F238E27FC236}">
+                <a16:creationId xmlns:a16="http://schemas.microsoft.com/office/drawing/2014/main" id="{85BA5934-FB21-BF25-B72E-9AD34F3E05B3}"/>
+              </a:ext>
+            </a:extLst>
+          </p:cNvPr>
+          <p:cNvPicPr>
+            <a:picLocks noGrp="1" noChangeAspect="1"/>
+          </p:cNvPicPr>
+          <p:nvPr>
+            <p:ph idx="1"/>
+          </p:nvPr>
+        </p:nvPicPr>
+        <p:blipFill>
+          <a:blip r:embed="rId2">
+            <a:extLst>
+              <a:ext uri="{28A0092B-C50C-407E-A947-70E740481C1C}">
+                <a14:useLocalDpi xmlns:a14="http://schemas.microsoft.com/office/drawing/2010/main" val="0"/>
+              </a:ext>
+            </a:extLst>
+          </a:blip>
+          <a:stretch>
+            <a:fillRect/>
+          </a:stretch>
+        </p:blipFill>
+        <p:spPr>
+          <a:xfrm>
+            <a:off x="-53340" y="0"/>
+            <a:ext cx="12245340" cy="6858000"/>
+          </a:xfrm>
+        </p:spPr>
+      </p:pic>
+    </p:spTree>
+    <p:extLst>
+      <p:ext uri="{BB962C8B-B14F-4D97-AF65-F5344CB8AC3E}">
+        <p14:creationId xmlns:p14="http://schemas.microsoft.com/office/powerpoint/2010/main" val="3271614917"/>
+      </p:ext>
+    </p:extLst>
+  </p:cSld>
+  <p:clrMapOvr>
+    <a:masterClrMapping/>
+  </p:clrMapOvr>
+</p:sld>
+</file>
+
+<file path=ppt/slides/slide13.xml><?xml version="1.0" encoding="utf-8"?>
+<p:sld xmlns:a="http://schemas.openxmlformats.org/drawingml/2006/main" xmlns:r="http://schemas.openxmlformats.org/officeDocument/2006/relationships" xmlns:p="http://schemas.openxmlformats.org/presentationml/2006/main">
+  <p:cSld>
+    <p:spTree>
+      <p:nvGrpSpPr>
+        <p:cNvPr id="1" name=""/>
+        <p:cNvGrpSpPr/>
+        <p:nvPr/>
+      </p:nvGrpSpPr>
+      <p:grpSpPr>
+        <a:xfrm>
+          <a:off x="0" y="0"/>
+          <a:ext cx="0" cy="0"/>
+          <a:chOff x="0" y="0"/>
+          <a:chExt cx="0" cy="0"/>
+        </a:xfrm>
+      </p:grpSpPr>
+      <p:sp>
+        <p:nvSpPr>
+          <p:cNvPr id="2" name="Title 1">
+            <a:extLst>
+              <a:ext uri="{FF2B5EF4-FFF2-40B4-BE49-F238E27FC236}">
+                <a16:creationId xmlns:a16="http://schemas.microsoft.com/office/drawing/2014/main" id="{02C90D44-B2FC-1A1A-6F9D-C4511E1878D3}"/>
+              </a:ext>
+            </a:extLst>
+          </p:cNvPr>
+          <p:cNvSpPr>
+            <a:spLocks noGrp="1"/>
+          </p:cNvSpPr>
+          <p:nvPr>
+            <p:ph type="title"/>
+          </p:nvPr>
+        </p:nvSpPr>
+        <p:spPr/>
+        <p:txBody>
+          <a:bodyPr/>
+          <a:lstStyle/>
+          <a:p>
+            <a:endParaRPr lang="en-IN"/>
+          </a:p>
+        </p:txBody>
+      </p:sp>
+      <p:pic>
+        <p:nvPicPr>
+          <p:cNvPr id="5" name="Content Placeholder 4" descr="Graphical user interface, text&#10;&#10;Description automatically generated">
+            <a:extLst>
+              <a:ext uri="{FF2B5EF4-FFF2-40B4-BE49-F238E27FC236}">
+                <a16:creationId xmlns:a16="http://schemas.microsoft.com/office/drawing/2014/main" id="{9FC32AD3-6DAD-DB6E-1865-05961A356A22}"/>
+              </a:ext>
+            </a:extLst>
+          </p:cNvPr>
+          <p:cNvPicPr>
+            <a:picLocks noGrp="1" noChangeAspect="1"/>
+          </p:cNvPicPr>
+          <p:nvPr>
+            <p:ph idx="1"/>
+          </p:nvPr>
+        </p:nvPicPr>
+        <p:blipFill>
+          <a:blip r:embed="rId2">
+            <a:extLst>
+              <a:ext uri="{28A0092B-C50C-407E-A947-70E740481C1C}">
+                <a14:useLocalDpi xmlns:a14="http://schemas.microsoft.com/office/drawing/2010/main" val="0"/>
+              </a:ext>
+            </a:extLst>
+          </a:blip>
+          <a:stretch>
+            <a:fillRect/>
+          </a:stretch>
+        </p:blipFill>
+        <p:spPr>
+          <a:xfrm>
+            <a:off x="0" y="68750"/>
+            <a:ext cx="12192000" cy="6789250"/>
+          </a:xfrm>
+        </p:spPr>
+      </p:pic>
+    </p:spTree>
+    <p:extLst>
+      <p:ext uri="{BB962C8B-B14F-4D97-AF65-F5344CB8AC3E}">
+        <p14:creationId xmlns:p14="http://schemas.microsoft.com/office/powerpoint/2010/main" val="1423698575"/>
+      </p:ext>
+    </p:extLst>
+  </p:cSld>
+  <p:clrMapOvr>
+    <a:masterClrMapping/>
+  </p:clrMapOvr>
+</p:sld>
+</file>
+
+<file path=ppt/slides/slide14.xml><?xml version="1.0" encoding="utf-8"?>
+<p:sld xmlns:a="http://schemas.openxmlformats.org/drawingml/2006/main" xmlns:r="http://schemas.openxmlformats.org/officeDocument/2006/relationships" xmlns:p="http://schemas.openxmlformats.org/presentationml/2006/main">
+  <p:cSld>
+    <p:spTree>
+      <p:nvGrpSpPr>
+        <p:cNvPr id="1" name=""/>
+        <p:cNvGrpSpPr/>
+        <p:nvPr/>
+      </p:nvGrpSpPr>
+      <p:grpSpPr>
+        <a:xfrm>
+          <a:off x="0" y="0"/>
+          <a:ext cx="0" cy="0"/>
+          <a:chOff x="0" y="0"/>
+          <a:chExt cx="0" cy="0"/>
+        </a:xfrm>
+      </p:grpSpPr>
+      <p:sp>
+        <p:nvSpPr>
+          <p:cNvPr id="2" name="Title 1">
+            <a:extLst>
+              <a:ext uri="{FF2B5EF4-FFF2-40B4-BE49-F238E27FC236}">
+                <a16:creationId xmlns:a16="http://schemas.microsoft.com/office/drawing/2014/main" id="{02EF3267-DEA6-F08D-732B-A33764992B56}"/>
+              </a:ext>
+            </a:extLst>
+          </p:cNvPr>
+          <p:cNvSpPr>
+            <a:spLocks noGrp="1"/>
+          </p:cNvSpPr>
+          <p:nvPr>
+            <p:ph type="title"/>
+          </p:nvPr>
+        </p:nvSpPr>
+        <p:spPr/>
+        <p:txBody>
+          <a:bodyPr/>
+          <a:lstStyle/>
+          <a:p>
+            <a:endParaRPr lang="en-IN"/>
+          </a:p>
+        </p:txBody>
+      </p:sp>
+      <p:pic>
+        <p:nvPicPr>
+          <p:cNvPr id="5" name="Content Placeholder 4" descr="Text&#10;&#10;Description automatically generated">
+            <a:extLst>
+              <a:ext uri="{FF2B5EF4-FFF2-40B4-BE49-F238E27FC236}">
+                <a16:creationId xmlns:a16="http://schemas.microsoft.com/office/drawing/2014/main" id="{E3FCECF6-656E-9F55-E83F-309DC86F4817}"/>
+              </a:ext>
+            </a:extLst>
+          </p:cNvPr>
+          <p:cNvPicPr>
+            <a:picLocks noGrp="1" noChangeAspect="1"/>
+          </p:cNvPicPr>
+          <p:nvPr>
+            <p:ph idx="1"/>
+          </p:nvPr>
+        </p:nvPicPr>
+        <p:blipFill>
+          <a:blip r:embed="rId2">
+            <a:extLst>
+              <a:ext uri="{28A0092B-C50C-407E-A947-70E740481C1C}">
+                <a14:useLocalDpi xmlns:a14="http://schemas.microsoft.com/office/drawing/2010/main" val="0"/>
+              </a:ext>
+            </a:extLst>
+          </a:blip>
+          <a:stretch>
+            <a:fillRect/>
+          </a:stretch>
+        </p:blipFill>
+        <p:spPr>
+          <a:xfrm>
+            <a:off x="0" y="0"/>
+            <a:ext cx="12192000" cy="6858000"/>
+          </a:xfrm>
+        </p:spPr>
+      </p:pic>
+    </p:spTree>
+    <p:extLst>
+      <p:ext uri="{BB962C8B-B14F-4D97-AF65-F5344CB8AC3E}">
+        <p14:creationId xmlns:p14="http://schemas.microsoft.com/office/powerpoint/2010/main" val="3413253439"/>
+      </p:ext>
+    </p:extLst>
+  </p:cSld>
+  <p:clrMapOvr>
+    <a:masterClrMapping/>
+  </p:clrMapOvr>
+</p:sld>
+</file>
+
+<file path=ppt/slides/slide15.xml><?xml version="1.0" encoding="utf-8"?>
+<p:sld xmlns:a="http://schemas.openxmlformats.org/drawingml/2006/main" xmlns:r="http://schemas.openxmlformats.org/officeDocument/2006/relationships" xmlns:p="http://schemas.openxmlformats.org/presentationml/2006/main">
+  <p:cSld>
+    <p:spTree>
+      <p:nvGrpSpPr>
+        <p:cNvPr id="1" name=""/>
+        <p:cNvGrpSpPr/>
+        <p:nvPr/>
+      </p:nvGrpSpPr>
+      <p:grpSpPr>
+        <a:xfrm>
+          <a:off x="0" y="0"/>
+          <a:ext cx="0" cy="0"/>
+          <a:chOff x="0" y="0"/>
+          <a:chExt cx="0" cy="0"/>
+        </a:xfrm>
+      </p:grpSpPr>
+      <p:sp>
+        <p:nvSpPr>
+          <p:cNvPr id="2" name="Title 1">
+            <a:extLst>
+              <a:ext uri="{FF2B5EF4-FFF2-40B4-BE49-F238E27FC236}">
+                <a16:creationId xmlns:a16="http://schemas.microsoft.com/office/drawing/2014/main" id="{70F812E1-A354-E5E6-2800-86A953419654}"/>
+              </a:ext>
+            </a:extLst>
+          </p:cNvPr>
+          <p:cNvSpPr>
+            <a:spLocks noGrp="1"/>
+          </p:cNvSpPr>
+          <p:nvPr>
+            <p:ph type="title"/>
+          </p:nvPr>
+        </p:nvSpPr>
+        <p:spPr/>
+        <p:txBody>
+          <a:bodyPr/>
+          <a:lstStyle/>
+          <a:p>
+            <a:endParaRPr lang="en-IN"/>
+          </a:p>
+        </p:txBody>
+      </p:sp>
+      <p:pic>
+        <p:nvPicPr>
+          <p:cNvPr id="5" name="Content Placeholder 4" descr="A picture containing graphical user interface&#10;&#10;Description automatically generated">
+            <a:extLst>
+              <a:ext uri="{FF2B5EF4-FFF2-40B4-BE49-F238E27FC236}">
+                <a16:creationId xmlns:a16="http://schemas.microsoft.com/office/drawing/2014/main" id="{0E71014D-CB76-EA3D-D763-6B77BF3A7CAC}"/>
+              </a:ext>
+            </a:extLst>
+          </p:cNvPr>
+          <p:cNvPicPr>
+            <a:picLocks noGrp="1" noChangeAspect="1"/>
+          </p:cNvPicPr>
+          <p:nvPr>
+            <p:ph idx="1"/>
+          </p:nvPr>
+        </p:nvPicPr>
+        <p:blipFill>
+          <a:blip r:embed="rId2">
+            <a:extLst>
+              <a:ext uri="{28A0092B-C50C-407E-A947-70E740481C1C}">
+                <a14:useLocalDpi xmlns:a14="http://schemas.microsoft.com/office/drawing/2010/main" val="0"/>
+              </a:ext>
+            </a:extLst>
+          </a:blip>
+          <a:stretch>
+            <a:fillRect/>
+          </a:stretch>
+        </p:blipFill>
+        <p:spPr>
+          <a:xfrm>
+            <a:off x="0" y="0"/>
+            <a:ext cx="12192000" cy="6858000"/>
+          </a:xfrm>
+        </p:spPr>
+      </p:pic>
+    </p:spTree>
+    <p:extLst>
+      <p:ext uri="{BB962C8B-B14F-4D97-AF65-F5344CB8AC3E}">
+        <p14:creationId xmlns:p14="http://schemas.microsoft.com/office/powerpoint/2010/main" val="2592775266"/>
+      </p:ext>
+    </p:extLst>
+  </p:cSld>
+  <p:clrMapOvr>
+    <a:masterClrMapping/>
+  </p:clrMapOvr>
+</p:sld>
+</file>
+
+<file path=ppt/slides/slide16.xml><?xml version="1.0" encoding="utf-8"?>
+<p:sld xmlns:a="http://schemas.openxmlformats.org/drawingml/2006/main" xmlns:r="http://schemas.openxmlformats.org/officeDocument/2006/relationships" xmlns:p="http://schemas.openxmlformats.org/presentationml/2006/main">
+  <p:cSld>
+    <p:spTree>
+      <p:nvGrpSpPr>
+        <p:cNvPr id="1" name=""/>
+        <p:cNvGrpSpPr/>
+        <p:nvPr/>
+      </p:nvGrpSpPr>
+      <p:grpSpPr>
+        <a:xfrm>
+          <a:off x="0" y="0"/>
+          <a:ext cx="0" cy="0"/>
+          <a:chOff x="0" y="0"/>
+          <a:chExt cx="0" cy="0"/>
+        </a:xfrm>
+      </p:grpSpPr>
+      <p:sp>
+        <p:nvSpPr>
+          <p:cNvPr id="2" name="Title 1">
+            <a:extLst>
+              <a:ext uri="{FF2B5EF4-FFF2-40B4-BE49-F238E27FC236}">
+                <a16:creationId xmlns:a16="http://schemas.microsoft.com/office/drawing/2014/main" id="{4EF6DD44-1516-5E4E-2AC0-10B9FE2888A1}"/>
+              </a:ext>
+            </a:extLst>
+          </p:cNvPr>
+          <p:cNvSpPr>
+            <a:spLocks noGrp="1"/>
+          </p:cNvSpPr>
+          <p:nvPr>
+            <p:ph type="title"/>
+          </p:nvPr>
+        </p:nvSpPr>
+        <p:spPr>
+          <a:xfrm>
+            <a:off x="0" y="0"/>
+            <a:ext cx="10515600" cy="1325563"/>
+          </a:xfrm>
+        </p:spPr>
+        <p:txBody>
+          <a:bodyPr/>
+          <a:lstStyle/>
+          <a:p>
+            <a:r>
+              <a:rPr lang="en-IN" b="1" u="sng" dirty="0">
+                <a:solidFill>
+                  <a:schemeClr val="accent4">
+                    <a:lumMod val="50000"/>
+                  </a:schemeClr>
+                </a:solidFill>
+                <a:latin typeface="Times New Roman" panose="02020603050405020304" pitchFamily="18" charset="0"/>
+                <a:cs typeface="Times New Roman" panose="02020603050405020304" pitchFamily="18" charset="0"/>
+              </a:rPr>
+              <a:t>OUTPUTS:</a:t>
+            </a:r>
+          </a:p>
+        </p:txBody>
+      </p:sp>
+      <p:pic>
+        <p:nvPicPr>
+          <p:cNvPr id="5" name="Content Placeholder 4" descr="Text&#10;&#10;Description automatically generated">
+            <a:extLst>
+              <a:ext uri="{FF2B5EF4-FFF2-40B4-BE49-F238E27FC236}">
+                <a16:creationId xmlns:a16="http://schemas.microsoft.com/office/drawing/2014/main" id="{3F9E153F-C774-9827-8C39-D64DD82128A1}"/>
+              </a:ext>
+            </a:extLst>
+          </p:cNvPr>
+          <p:cNvPicPr>
+            <a:picLocks noGrp="1" noChangeAspect="1"/>
+          </p:cNvPicPr>
+          <p:nvPr>
+            <p:ph idx="1"/>
+          </p:nvPr>
+        </p:nvPicPr>
+        <p:blipFill>
+          <a:blip r:embed="rId2">
+            <a:extLst>
+              <a:ext uri="{28A0092B-C50C-407E-A947-70E740481C1C}">
+                <a14:useLocalDpi xmlns:a14="http://schemas.microsoft.com/office/drawing/2010/main" val="0"/>
+              </a:ext>
+            </a:extLst>
+          </a:blip>
+          <a:stretch>
+            <a:fillRect/>
+          </a:stretch>
+        </p:blipFill>
+        <p:spPr>
+          <a:xfrm>
+            <a:off x="0" y="1427356"/>
+            <a:ext cx="12192000" cy="5430644"/>
+          </a:xfrm>
+        </p:spPr>
+      </p:pic>
+    </p:spTree>
+    <p:extLst>
+      <p:ext uri="{BB962C8B-B14F-4D97-AF65-F5344CB8AC3E}">
+        <p14:creationId xmlns:p14="http://schemas.microsoft.com/office/powerpoint/2010/main" val="2449937829"/>
+      </p:ext>
+    </p:extLst>
+  </p:cSld>
+  <p:clrMapOvr>
+    <a:masterClrMapping/>
+  </p:clrMapOvr>
+</p:sld>
+</file>
+
+<file path=ppt/slides/slide17.xml><?xml version="1.0" encoding="utf-8"?>
+<p:sld xmlns:a="http://schemas.openxmlformats.org/drawingml/2006/main" xmlns:r="http://schemas.openxmlformats.org/officeDocument/2006/relationships" xmlns:p="http://schemas.openxmlformats.org/presentationml/2006/main">
+  <p:cSld>
+    <p:spTree>
+      <p:nvGrpSpPr>
+        <p:cNvPr id="1" name=""/>
+        <p:cNvGrpSpPr/>
+        <p:nvPr/>
+      </p:nvGrpSpPr>
+      <p:grpSpPr>
+        <a:xfrm>
+          <a:off x="0" y="0"/>
+          <a:ext cx="0" cy="0"/>
+          <a:chOff x="0" y="0"/>
+          <a:chExt cx="0" cy="0"/>
+        </a:xfrm>
+      </p:grpSpPr>
+      <p:sp>
+        <p:nvSpPr>
+          <p:cNvPr id="2" name="Title 1">
+            <a:extLst>
+              <a:ext uri="{FF2B5EF4-FFF2-40B4-BE49-F238E27FC236}">
+                <a16:creationId xmlns:a16="http://schemas.microsoft.com/office/drawing/2014/main" id="{9F1670A1-39DC-BA56-A652-0733DEF5DFE7}"/>
+              </a:ext>
+            </a:extLst>
+          </p:cNvPr>
+          <p:cNvSpPr>
+            <a:spLocks noGrp="1"/>
+          </p:cNvSpPr>
+          <p:nvPr>
+            <p:ph type="title"/>
+          </p:nvPr>
+        </p:nvSpPr>
+        <p:spPr>
+          <a:xfrm>
+            <a:off x="0" y="0"/>
+            <a:ext cx="10515600" cy="1325563"/>
+          </a:xfrm>
+        </p:spPr>
+        <p:txBody>
+          <a:bodyPr/>
+          <a:lstStyle/>
+          <a:p>
+            <a:r>
+              <a:rPr lang="en-IN" b="1" u="sng" dirty="0">
+                <a:solidFill>
+                  <a:schemeClr val="tx2">
+                    <a:lumMod val="75000"/>
+                  </a:schemeClr>
+                </a:solidFill>
+                <a:latin typeface="Times New Roman" panose="02020603050405020304" pitchFamily="18" charset="0"/>
+                <a:cs typeface="Times New Roman" panose="02020603050405020304" pitchFamily="18" charset="0"/>
+              </a:rPr>
+              <a:t>Accept</a:t>
+            </a:r>
+          </a:p>
+        </p:txBody>
+      </p:sp>
+      <p:pic>
+        <p:nvPicPr>
+          <p:cNvPr id="5" name="Content Placeholder 4" descr="Text&#10;&#10;Description automatically generated">
+            <a:extLst>
+              <a:ext uri="{FF2B5EF4-FFF2-40B4-BE49-F238E27FC236}">
+                <a16:creationId xmlns:a16="http://schemas.microsoft.com/office/drawing/2014/main" id="{926F94E3-C5FA-84CF-FA04-4AD3F68C718F}"/>
+              </a:ext>
+            </a:extLst>
+          </p:cNvPr>
+          <p:cNvPicPr>
+            <a:picLocks noGrp="1" noChangeAspect="1"/>
+          </p:cNvPicPr>
+          <p:nvPr>
+            <p:ph idx="1"/>
+          </p:nvPr>
+        </p:nvPicPr>
+        <p:blipFill>
+          <a:blip r:embed="rId2">
+            <a:extLst>
+              <a:ext uri="{28A0092B-C50C-407E-A947-70E740481C1C}">
+                <a14:useLocalDpi xmlns:a14="http://schemas.microsoft.com/office/drawing/2010/main" val="0"/>
+              </a:ext>
+            </a:extLst>
+          </a:blip>
+          <a:stretch>
+            <a:fillRect/>
+          </a:stretch>
+        </p:blipFill>
+        <p:spPr>
+          <a:xfrm>
+            <a:off x="0" y="1494262"/>
+            <a:ext cx="12192000" cy="5363737"/>
+          </a:xfrm>
+        </p:spPr>
+      </p:pic>
+    </p:spTree>
+    <p:extLst>
+      <p:ext uri="{BB962C8B-B14F-4D97-AF65-F5344CB8AC3E}">
+        <p14:creationId xmlns:p14="http://schemas.microsoft.com/office/powerpoint/2010/main" val="259513172"/>
+      </p:ext>
+    </p:extLst>
+  </p:cSld>
+  <p:clrMapOvr>
+    <a:masterClrMapping/>
+  </p:clrMapOvr>
+</p:sld>
+</file>
+
+<file path=ppt/slides/slide18.xml><?xml version="1.0" encoding="utf-8"?>
+<p:sld xmlns:a="http://schemas.openxmlformats.org/drawingml/2006/main" xmlns:r="http://schemas.openxmlformats.org/officeDocument/2006/relationships" xmlns:p="http://schemas.openxmlformats.org/presentationml/2006/main">
+  <p:cSld>
+    <p:spTree>
+      <p:nvGrpSpPr>
+        <p:cNvPr id="1" name=""/>
+        <p:cNvGrpSpPr/>
+        <p:nvPr/>
+      </p:nvGrpSpPr>
+      <p:grpSpPr>
+        <a:xfrm>
+          <a:off x="0" y="0"/>
+          <a:ext cx="0" cy="0"/>
+          <a:chOff x="0" y="0"/>
+          <a:chExt cx="0" cy="0"/>
+        </a:xfrm>
+      </p:grpSpPr>
+      <p:sp>
+        <p:nvSpPr>
+          <p:cNvPr id="2" name="Title 1">
+            <a:extLst>
+              <a:ext uri="{FF2B5EF4-FFF2-40B4-BE49-F238E27FC236}">
+                <a16:creationId xmlns:a16="http://schemas.microsoft.com/office/drawing/2014/main" id="{88B03456-73C7-933C-422E-E1A6B8CC8433}"/>
+              </a:ext>
+            </a:extLst>
+          </p:cNvPr>
+          <p:cNvSpPr>
+            <a:spLocks noGrp="1"/>
+          </p:cNvSpPr>
+          <p:nvPr>
+            <p:ph type="title"/>
+          </p:nvPr>
+        </p:nvSpPr>
+        <p:spPr>
+          <a:xfrm>
+            <a:off x="0" y="0"/>
+            <a:ext cx="10515600" cy="1325563"/>
+          </a:xfrm>
+        </p:spPr>
+        <p:txBody>
+          <a:bodyPr/>
+          <a:lstStyle/>
+          <a:p>
+            <a:r>
+              <a:rPr lang="en-IN" b="1" u="sng" dirty="0">
+                <a:solidFill>
+                  <a:srgbClr val="FFC000"/>
+                </a:solidFill>
+                <a:latin typeface="Times New Roman" panose="02020603050405020304" pitchFamily="18" charset="0"/>
+                <a:cs typeface="Times New Roman" panose="02020603050405020304" pitchFamily="18" charset="0"/>
+              </a:rPr>
+              <a:t>Best fit</a:t>
+            </a:r>
+          </a:p>
+        </p:txBody>
+      </p:sp>
+      <p:pic>
+        <p:nvPicPr>
+          <p:cNvPr id="5" name="Content Placeholder 4" descr="Text&#10;&#10;Description automatically generated with low confidence">
+            <a:extLst>
+              <a:ext uri="{FF2B5EF4-FFF2-40B4-BE49-F238E27FC236}">
+                <a16:creationId xmlns:a16="http://schemas.microsoft.com/office/drawing/2014/main" id="{1C996D2C-5DC1-EDDE-9153-B9398BEED45D}"/>
+              </a:ext>
+            </a:extLst>
+          </p:cNvPr>
+          <p:cNvPicPr>
+            <a:picLocks noGrp="1" noChangeAspect="1"/>
+          </p:cNvPicPr>
+          <p:nvPr>
+            <p:ph idx="1"/>
+          </p:nvPr>
+        </p:nvPicPr>
+        <p:blipFill>
+          <a:blip r:embed="rId2">
+            <a:extLst>
+              <a:ext uri="{28A0092B-C50C-407E-A947-70E740481C1C}">
+                <a14:useLocalDpi xmlns:a14="http://schemas.microsoft.com/office/drawing/2010/main" val="0"/>
+              </a:ext>
+            </a:extLst>
+          </a:blip>
+          <a:stretch>
+            <a:fillRect/>
+          </a:stretch>
+        </p:blipFill>
+        <p:spPr>
+          <a:xfrm>
+            <a:off x="0" y="1325563"/>
+            <a:ext cx="12192000" cy="5532437"/>
+          </a:xfrm>
+        </p:spPr>
+      </p:pic>
+    </p:spTree>
+    <p:extLst>
+      <p:ext uri="{BB962C8B-B14F-4D97-AF65-F5344CB8AC3E}">
+        <p14:creationId xmlns:p14="http://schemas.microsoft.com/office/powerpoint/2010/main" val="3373109716"/>
+      </p:ext>
+    </p:extLst>
+  </p:cSld>
+  <p:clrMapOvr>
+    <a:masterClrMapping/>
+  </p:clrMapOvr>
+</p:sld>
+</file>
+
+<file path=ppt/slides/slide19.xml><?xml version="1.0" encoding="utf-8"?>
+<p:sld xmlns:a="http://schemas.openxmlformats.org/drawingml/2006/main" xmlns:r="http://schemas.openxmlformats.org/officeDocument/2006/relationships" xmlns:p="http://schemas.openxmlformats.org/presentationml/2006/main">
+  <p:cSld>
+    <p:spTree>
+      <p:nvGrpSpPr>
+        <p:cNvPr id="1" name=""/>
+        <p:cNvGrpSpPr/>
+        <p:nvPr/>
+      </p:nvGrpSpPr>
+      <p:grpSpPr>
+        <a:xfrm>
+          <a:off x="0" y="0"/>
+          <a:ext cx="0" cy="0"/>
+          <a:chOff x="0" y="0"/>
+          <a:chExt cx="0" cy="0"/>
+        </a:xfrm>
+      </p:grpSpPr>
+      <p:sp>
+        <p:nvSpPr>
+          <p:cNvPr id="2" name="Title 1">
+            <a:extLst>
+              <a:ext uri="{FF2B5EF4-FFF2-40B4-BE49-F238E27FC236}">
+                <a16:creationId xmlns:a16="http://schemas.microsoft.com/office/drawing/2014/main" id="{DD0808F8-1646-8286-C5FE-2BFCF0CC2DC1}"/>
+              </a:ext>
+            </a:extLst>
+          </p:cNvPr>
+          <p:cNvSpPr>
+            <a:spLocks noGrp="1"/>
+          </p:cNvSpPr>
+          <p:nvPr>
+            <p:ph type="title"/>
+          </p:nvPr>
+        </p:nvSpPr>
+        <p:spPr>
+          <a:xfrm>
+            <a:off x="0" y="0"/>
+            <a:ext cx="10515600" cy="1325563"/>
+          </a:xfrm>
+        </p:spPr>
+        <p:txBody>
+          <a:bodyPr/>
+          <a:lstStyle/>
+          <a:p>
+            <a:r>
+              <a:rPr lang="en-IN" b="1" u="sng" dirty="0">
+                <a:solidFill>
+                  <a:srgbClr val="00B0F0"/>
+                </a:solidFill>
+                <a:latin typeface="Times New Roman" panose="02020603050405020304" pitchFamily="18" charset="0"/>
+                <a:cs typeface="Times New Roman" panose="02020603050405020304" pitchFamily="18" charset="0"/>
+              </a:rPr>
+              <a:t>Next fit</a:t>
+            </a:r>
+          </a:p>
+        </p:txBody>
+      </p:sp>
+      <p:pic>
+        <p:nvPicPr>
+          <p:cNvPr id="4" name="Content Placeholder 3" descr="Text&#10;&#10;Description automatically generated">
+            <a:extLst>
+              <a:ext uri="{FF2B5EF4-FFF2-40B4-BE49-F238E27FC236}">
+                <a16:creationId xmlns:a16="http://schemas.microsoft.com/office/drawing/2014/main" id="{3BA59985-9CE1-6C83-2D38-DD5633F25100}"/>
+              </a:ext>
+            </a:extLst>
+          </p:cNvPr>
+          <p:cNvPicPr>
+            <a:picLocks noGrp="1" noChangeAspect="1"/>
+          </p:cNvPicPr>
+          <p:nvPr>
+            <p:ph idx="1"/>
+          </p:nvPr>
+        </p:nvPicPr>
+        <p:blipFill>
+          <a:blip r:embed="rId2">
+            <a:extLst>
+              <a:ext uri="{28A0092B-C50C-407E-A947-70E740481C1C}">
+                <a14:useLocalDpi xmlns:a14="http://schemas.microsoft.com/office/drawing/2010/main" val="0"/>
+              </a:ext>
+            </a:extLst>
+          </a:blip>
+          <a:stretch>
+            <a:fillRect/>
+          </a:stretch>
+        </p:blipFill>
+        <p:spPr>
+          <a:xfrm>
+            <a:off x="0" y="1527717"/>
+            <a:ext cx="12192000" cy="5147720"/>
+          </a:xfrm>
+          <a:prstGeom prst="rect">
+            <a:avLst/>
+          </a:prstGeom>
+        </p:spPr>
+      </p:pic>
+    </p:spTree>
+    <p:extLst>
+      <p:ext uri="{BB962C8B-B14F-4D97-AF65-F5344CB8AC3E}">
+        <p14:creationId xmlns:p14="http://schemas.microsoft.com/office/powerpoint/2010/main" val="2387723805"/>
       </p:ext>
     </p:extLst>
   </p:cSld>
@@ -7293,6 +8291,431 @@
       </p:transition>
     </mc:Fallback>
   </mc:AlternateContent>
+</p:sld>
+</file>
+
+<file path=ppt/slides/slide20.xml><?xml version="1.0" encoding="utf-8"?>
+<p:sld xmlns:a="http://schemas.openxmlformats.org/drawingml/2006/main" xmlns:r="http://schemas.openxmlformats.org/officeDocument/2006/relationships" xmlns:p="http://schemas.openxmlformats.org/presentationml/2006/main">
+  <p:cSld>
+    <p:spTree>
+      <p:nvGrpSpPr>
+        <p:cNvPr id="1" name=""/>
+        <p:cNvGrpSpPr/>
+        <p:nvPr/>
+      </p:nvGrpSpPr>
+      <p:grpSpPr>
+        <a:xfrm>
+          <a:off x="0" y="0"/>
+          <a:ext cx="0" cy="0"/>
+          <a:chOff x="0" y="0"/>
+          <a:chExt cx="0" cy="0"/>
+        </a:xfrm>
+      </p:grpSpPr>
+      <p:sp>
+        <p:nvSpPr>
+          <p:cNvPr id="2" name="Title 1">
+            <a:extLst>
+              <a:ext uri="{FF2B5EF4-FFF2-40B4-BE49-F238E27FC236}">
+                <a16:creationId xmlns:a16="http://schemas.microsoft.com/office/drawing/2014/main" id="{11AACADE-AB10-23F8-A194-79E3DC690DFC}"/>
+              </a:ext>
+            </a:extLst>
+          </p:cNvPr>
+          <p:cNvSpPr>
+            <a:spLocks noGrp="1"/>
+          </p:cNvSpPr>
+          <p:nvPr>
+            <p:ph type="title"/>
+          </p:nvPr>
+        </p:nvSpPr>
+        <p:spPr>
+          <a:xfrm>
+            <a:off x="0" y="0"/>
+            <a:ext cx="10515600" cy="1325563"/>
+          </a:xfrm>
+        </p:spPr>
+        <p:txBody>
+          <a:bodyPr/>
+          <a:lstStyle/>
+          <a:p>
+            <a:r>
+              <a:rPr lang="en-IN" b="1" u="sng" dirty="0">
+                <a:solidFill>
+                  <a:schemeClr val="accent2"/>
+                </a:solidFill>
+                <a:latin typeface="Times New Roman" panose="02020603050405020304" pitchFamily="18" charset="0"/>
+                <a:cs typeface="Times New Roman" panose="02020603050405020304" pitchFamily="18" charset="0"/>
+              </a:rPr>
+              <a:t>Worst fit</a:t>
+            </a:r>
+          </a:p>
+        </p:txBody>
+      </p:sp>
+      <p:pic>
+        <p:nvPicPr>
+          <p:cNvPr id="5" name="Content Placeholder 4" descr="Text&#10;&#10;Description automatically generated">
+            <a:extLst>
+              <a:ext uri="{FF2B5EF4-FFF2-40B4-BE49-F238E27FC236}">
+                <a16:creationId xmlns:a16="http://schemas.microsoft.com/office/drawing/2014/main" id="{D6033F5C-A88C-63C1-8BEB-B14CBFC9816D}"/>
+              </a:ext>
+            </a:extLst>
+          </p:cNvPr>
+          <p:cNvPicPr>
+            <a:picLocks noGrp="1" noChangeAspect="1"/>
+          </p:cNvPicPr>
+          <p:nvPr>
+            <p:ph idx="1"/>
+          </p:nvPr>
+        </p:nvPicPr>
+        <p:blipFill>
+          <a:blip r:embed="rId2">
+            <a:extLst>
+              <a:ext uri="{28A0092B-C50C-407E-A947-70E740481C1C}">
+                <a14:useLocalDpi xmlns:a14="http://schemas.microsoft.com/office/drawing/2010/main" val="0"/>
+              </a:ext>
+            </a:extLst>
+          </a:blip>
+          <a:stretch>
+            <a:fillRect/>
+          </a:stretch>
+        </p:blipFill>
+        <p:spPr>
+          <a:xfrm>
+            <a:off x="0" y="1449659"/>
+            <a:ext cx="11686736" cy="5408341"/>
+          </a:xfrm>
+        </p:spPr>
+      </p:pic>
+    </p:spTree>
+    <p:extLst>
+      <p:ext uri="{BB962C8B-B14F-4D97-AF65-F5344CB8AC3E}">
+        <p14:creationId xmlns:p14="http://schemas.microsoft.com/office/powerpoint/2010/main" val="2258331886"/>
+      </p:ext>
+    </p:extLst>
+  </p:cSld>
+  <p:clrMapOvr>
+    <a:masterClrMapping/>
+  </p:clrMapOvr>
+</p:sld>
+</file>
+
+<file path=ppt/slides/slide21.xml><?xml version="1.0" encoding="utf-8"?>
+<p:sld xmlns:a="http://schemas.openxmlformats.org/drawingml/2006/main" xmlns:r="http://schemas.openxmlformats.org/officeDocument/2006/relationships" xmlns:p="http://schemas.openxmlformats.org/presentationml/2006/main">
+  <p:cSld>
+    <p:bg>
+      <p:bgPr>
+        <a:solidFill>
+          <a:schemeClr val="bg1"/>
+        </a:solidFill>
+        <a:effectLst/>
+      </p:bgPr>
+    </p:bg>
+    <p:spTree>
+      <p:nvGrpSpPr>
+        <p:cNvPr id="1" name=""/>
+        <p:cNvGrpSpPr/>
+        <p:nvPr/>
+      </p:nvGrpSpPr>
+      <p:grpSpPr>
+        <a:xfrm>
+          <a:off x="0" y="0"/>
+          <a:ext cx="0" cy="0"/>
+          <a:chOff x="0" y="0"/>
+          <a:chExt cx="0" cy="0"/>
+        </a:xfrm>
+      </p:grpSpPr>
+      <p:sp useBgFill="1">
+        <p:nvSpPr>
+          <p:cNvPr id="20" name="Rectangle 19">
+            <a:extLst>
+              <a:ext uri="{FF2B5EF4-FFF2-40B4-BE49-F238E27FC236}">
+                <a16:creationId xmlns:a16="http://schemas.microsoft.com/office/drawing/2014/main" id="{5A59F003-E00A-43F9-91DC-CC54E3B87466}"/>
+              </a:ext>
+              <a:ext uri="{C183D7F6-B498-43B3-948B-1728B52AA6E4}">
+                <adec:decorative xmlns:adec="http://schemas.microsoft.com/office/drawing/2017/decorative" val="1"/>
+              </a:ext>
+            </a:extLst>
+          </p:cNvPr>
+          <p:cNvSpPr>
+            <a:spLocks noGrp="1" noRot="1" noChangeAspect="1" noMove="1" noResize="1" noEditPoints="1" noAdjustHandles="1" noChangeArrowheads="1" noChangeShapeType="1" noTextEdit="1"/>
+          </p:cNvSpPr>
+          <p:nvPr>
+            <p:extLst>
+              <p:ext uri="{386F3935-93C4-4BCD-93E2-E3B085C9AB24}">
+                <p16:designElem xmlns:p16="http://schemas.microsoft.com/office/powerpoint/2015/main" val="1"/>
+              </p:ext>
+            </p:extLst>
+          </p:nvPr>
+        </p:nvSpPr>
+        <p:spPr>
+          <a:xfrm>
+            <a:off x="0" y="0"/>
+            <a:ext cx="12192000" cy="6858000"/>
+          </a:xfrm>
+          <a:prstGeom prst="rect">
+            <a:avLst/>
+          </a:prstGeom>
+          <a:ln>
+            <a:noFill/>
+          </a:ln>
+        </p:spPr>
+        <p:style>
+          <a:lnRef idx="2">
+            <a:schemeClr val="accent1">
+              <a:shade val="50000"/>
+            </a:schemeClr>
+          </a:lnRef>
+          <a:fillRef idx="1">
+            <a:schemeClr val="accent1"/>
+          </a:fillRef>
+          <a:effectRef idx="0">
+            <a:schemeClr val="accent1"/>
+          </a:effectRef>
+          <a:fontRef idx="minor">
+            <a:schemeClr val="lt1"/>
+          </a:fontRef>
+        </p:style>
+        <p:txBody>
+          <a:bodyPr rtlCol="0" anchor="ctr"/>
+          <a:lstStyle/>
+          <a:p>
+            <a:pPr algn="ctr"/>
+            <a:endParaRPr lang="en-US"/>
+          </a:p>
+        </p:txBody>
+      </p:sp>
+      <p:pic>
+        <p:nvPicPr>
+          <p:cNvPr id="5" name="Picture 4" descr="Magnifying glass on clear background">
+            <a:extLst>
+              <a:ext uri="{FF2B5EF4-FFF2-40B4-BE49-F238E27FC236}">
+                <a16:creationId xmlns:a16="http://schemas.microsoft.com/office/drawing/2014/main" id="{EE421A21-C538-BF1A-332D-4B2A0F2E3114}"/>
+              </a:ext>
+            </a:extLst>
+          </p:cNvPr>
+          <p:cNvPicPr>
+            <a:picLocks noChangeAspect="1"/>
+          </p:cNvPicPr>
+          <p:nvPr/>
+        </p:nvPicPr>
+        <p:blipFill rotWithShape="1">
+          <a:blip r:embed="rId2"/>
+          <a:srcRect l="9091" t="19053" b="4338"/>
+          <a:stretch/>
+        </p:blipFill>
+        <p:spPr>
+          <a:xfrm>
+            <a:off x="20" y="10"/>
+            <a:ext cx="12191981" cy="6857990"/>
+          </a:xfrm>
+          <a:prstGeom prst="rect">
+            <a:avLst/>
+          </a:prstGeom>
+        </p:spPr>
+      </p:pic>
+      <p:sp>
+        <p:nvSpPr>
+          <p:cNvPr id="22" name="Rectangle 21">
+            <a:extLst>
+              <a:ext uri="{FF2B5EF4-FFF2-40B4-BE49-F238E27FC236}">
+                <a16:creationId xmlns:a16="http://schemas.microsoft.com/office/drawing/2014/main" id="{D74A4382-E3AD-430A-9A1F-DFA3E0E77A7D}"/>
+              </a:ext>
+              <a:ext uri="{C183D7F6-B498-43B3-948B-1728B52AA6E4}">
+                <adec:decorative xmlns:adec="http://schemas.microsoft.com/office/drawing/2017/decorative" val="1"/>
+              </a:ext>
+            </a:extLst>
+          </p:cNvPr>
+          <p:cNvSpPr>
+            <a:spLocks noGrp="1" noRot="1" noChangeAspect="1" noMove="1" noResize="1" noEditPoints="1" noAdjustHandles="1" noChangeArrowheads="1" noChangeShapeType="1" noTextEdit="1"/>
+          </p:cNvSpPr>
+          <p:nvPr>
+            <p:extLst>
+              <p:ext uri="{386F3935-93C4-4BCD-93E2-E3B085C9AB24}">
+                <p16:designElem xmlns:p16="http://schemas.microsoft.com/office/powerpoint/2015/main" val="1"/>
+              </p:ext>
+            </p:extLst>
+          </p:nvPr>
+        </p:nvSpPr>
+        <p:spPr>
+          <a:xfrm rot="16200000">
+            <a:off x="3799868" y="-1534136"/>
+            <a:ext cx="4592270" cy="12192001"/>
+          </a:xfrm>
+          <a:prstGeom prst="rect">
+            <a:avLst/>
+          </a:prstGeom>
+          <a:gradFill>
+            <a:gsLst>
+              <a:gs pos="35000">
+                <a:schemeClr val="bg1">
+                  <a:alpha val="46000"/>
+                </a:schemeClr>
+              </a:gs>
+              <a:gs pos="21000">
+                <a:schemeClr val="bg1">
+                  <a:alpha val="30000"/>
+                </a:schemeClr>
+              </a:gs>
+              <a:gs pos="0">
+                <a:schemeClr val="bg1">
+                  <a:alpha val="0"/>
+                </a:schemeClr>
+              </a:gs>
+              <a:gs pos="100000">
+                <a:schemeClr val="bg1">
+                  <a:alpha val="90000"/>
+                </a:schemeClr>
+              </a:gs>
+            </a:gsLst>
+            <a:lin ang="10800000" scaled="0"/>
+          </a:gradFill>
+          <a:ln>
+            <a:noFill/>
+          </a:ln>
+        </p:spPr>
+        <p:style>
+          <a:lnRef idx="2">
+            <a:schemeClr val="accent1">
+              <a:shade val="50000"/>
+            </a:schemeClr>
+          </a:lnRef>
+          <a:fillRef idx="1">
+            <a:schemeClr val="accent1"/>
+          </a:fillRef>
+          <a:effectRef idx="0">
+            <a:schemeClr val="accent1"/>
+          </a:effectRef>
+          <a:fontRef idx="minor">
+            <a:schemeClr val="lt1"/>
+          </a:fontRef>
+        </p:style>
+        <p:txBody>
+          <a:bodyPr rtlCol="0" anchor="ctr"/>
+          <a:lstStyle/>
+          <a:p>
+            <a:pPr algn="ctr"/>
+            <a:endParaRPr lang="en-US" dirty="0"/>
+          </a:p>
+        </p:txBody>
+      </p:sp>
+      <p:sp>
+        <p:nvSpPr>
+          <p:cNvPr id="2" name="Title 1">
+            <a:extLst>
+              <a:ext uri="{FF2B5EF4-FFF2-40B4-BE49-F238E27FC236}">
+                <a16:creationId xmlns:a16="http://schemas.microsoft.com/office/drawing/2014/main" id="{CA8BD725-6A1A-E1E8-3D43-52C8AFDC6706}"/>
+              </a:ext>
+            </a:extLst>
+          </p:cNvPr>
+          <p:cNvSpPr>
+            <a:spLocks noGrp="1"/>
+          </p:cNvSpPr>
+          <p:nvPr>
+            <p:ph type="title"/>
+          </p:nvPr>
+        </p:nvSpPr>
+        <p:spPr>
+          <a:xfrm>
+            <a:off x="404553" y="3091928"/>
+            <a:ext cx="9078562" cy="2387600"/>
+          </a:xfrm>
+        </p:spPr>
+        <p:txBody>
+          <a:bodyPr vert="horz" lIns="91440" tIns="45720" rIns="91440" bIns="45720" rtlCol="0" anchor="b">
+            <a:normAutofit/>
+          </a:bodyPr>
+          <a:lstStyle/>
+          <a:p>
+            <a:r>
+              <a:rPr lang="en-US" sz="6600" b="1" dirty="0">
+                <a:solidFill>
+                  <a:schemeClr val="accent3">
+                    <a:lumMod val="40000"/>
+                    <a:lumOff val="60000"/>
+                  </a:schemeClr>
+                </a:solidFill>
+                <a:latin typeface="Times New Roman" panose="02020603050405020304" pitchFamily="18" charset="0"/>
+                <a:cs typeface="Times New Roman" panose="02020603050405020304" pitchFamily="18" charset="0"/>
+              </a:rPr>
+              <a:t>THANK YOU</a:t>
+            </a:r>
+          </a:p>
+        </p:txBody>
+      </p:sp>
+      <p:sp>
+        <p:nvSpPr>
+          <p:cNvPr id="24" name="Rectangle: Rounded Corners 23">
+            <a:extLst>
+              <a:ext uri="{FF2B5EF4-FFF2-40B4-BE49-F238E27FC236}">
+                <a16:creationId xmlns:a16="http://schemas.microsoft.com/office/drawing/2014/main" id="{79F40191-0F44-4FD1-82CC-ACB507C14BE6}"/>
+              </a:ext>
+              <a:ext uri="{C183D7F6-B498-43B3-948B-1728B52AA6E4}">
+                <adec:decorative xmlns:adec="http://schemas.microsoft.com/office/drawing/2017/decorative" val="1"/>
+              </a:ext>
+            </a:extLst>
+          </p:cNvPr>
+          <p:cNvSpPr>
+            <a:spLocks noGrp="1" noRot="1" noChangeAspect="1" noMove="1" noResize="1" noEditPoints="1" noAdjustHandles="1" noChangeArrowheads="1" noChangeShapeType="1" noTextEdit="1"/>
+          </p:cNvSpPr>
+          <p:nvPr>
+            <p:extLst>
+              <p:ext uri="{386F3935-93C4-4BCD-93E2-E3B085C9AB24}">
+                <p16:designElem xmlns:p16="http://schemas.microsoft.com/office/powerpoint/2015/main" val="1"/>
+              </p:ext>
+            </p:extLst>
+          </p:nvPr>
+        </p:nvSpPr>
+        <p:spPr>
+          <a:xfrm>
+            <a:off x="0" y="5575039"/>
+            <a:ext cx="9785897" cy="685800"/>
+          </a:xfrm>
+          <a:prstGeom prst="roundRect">
+            <a:avLst>
+              <a:gd name="adj" fmla="val 0"/>
+            </a:avLst>
+          </a:prstGeom>
+          <a:solidFill>
+            <a:schemeClr val="accent2"/>
+          </a:solidFill>
+          <a:ln>
+            <a:noFill/>
+          </a:ln>
+        </p:spPr>
+        <p:style>
+          <a:lnRef idx="2">
+            <a:schemeClr val="accent1">
+              <a:shade val="50000"/>
+            </a:schemeClr>
+          </a:lnRef>
+          <a:fillRef idx="1">
+            <a:schemeClr val="accent1"/>
+          </a:fillRef>
+          <a:effectRef idx="0">
+            <a:schemeClr val="accent1"/>
+          </a:effectRef>
+          <a:fontRef idx="minor">
+            <a:schemeClr val="lt1"/>
+          </a:fontRef>
+        </p:style>
+        <p:txBody>
+          <a:bodyPr rtlCol="0" anchor="ctr"/>
+          <a:lstStyle/>
+          <a:p>
+            <a:pPr algn="ctr"/>
+            <a:endParaRPr lang="en-US"/>
+          </a:p>
+        </p:txBody>
+      </p:sp>
+    </p:spTree>
+    <p:extLst>
+      <p:ext uri="{BB962C8B-B14F-4D97-AF65-F5344CB8AC3E}">
+        <p14:creationId xmlns:p14="http://schemas.microsoft.com/office/powerpoint/2010/main" val="1303023974"/>
+      </p:ext>
+    </p:extLst>
+  </p:cSld>
+  <p:clrMapOvr>
+    <a:overrideClrMapping bg1="dk1" tx1="lt1" bg2="dk2" tx2="lt2" accent1="accent1" accent2="accent2" accent3="accent3" accent4="accent4" accent5="accent5" accent6="accent6" hlink="hlink" folHlink="folHlink"/>
+  </p:clrMapOvr>
 </p:sld>
 </file>
 
@@ -8252,8 +9675,8 @@
         </p:nvSpPr>
         <p:spPr>
           <a:xfrm>
-            <a:off x="838200" y="557189"/>
-            <a:ext cx="3374136" cy="5567891"/>
+            <a:off x="334537" y="557189"/>
+            <a:ext cx="3877799" cy="5567891"/>
           </a:xfrm>
         </p:spPr>
         <p:txBody>
@@ -8554,7 +9977,7 @@
         </p:nvSpPr>
         <p:spPr>
           <a:xfrm>
-            <a:off x="838200" y="365126"/>
+            <a:off x="838200" y="25183"/>
             <a:ext cx="10515600" cy="995324"/>
           </a:xfrm>
         </p:spPr>
@@ -8658,7 +10081,7 @@
         </p:nvSpPr>
         <p:spPr>
           <a:xfrm>
-            <a:off x="838200" y="1360450"/>
+            <a:off x="852440" y="1045689"/>
             <a:ext cx="10515600" cy="4816513"/>
           </a:xfrm>
         </p:spPr>
@@ -8726,7 +10149,19 @@
               <a:rPr lang="en-IN" sz="2000" dirty="0">
                 <a:latin typeface="Times New Roman" panose="02020603050405020304" pitchFamily="18" charset="0"/>
               </a:rPr>
-              <a:t> fit: </a:t>
+              <a:t> </a:t>
+            </a:r>
+            <a:r>
+              <a:rPr lang="en-IN" sz="2000" b="1" dirty="0">
+                <a:latin typeface="Times New Roman" panose="02020603050405020304" pitchFamily="18" charset="0"/>
+              </a:rPr>
+              <a:t>fit</a:t>
+            </a:r>
+            <a:r>
+              <a:rPr lang="en-IN" sz="2000" dirty="0">
+                <a:latin typeface="Times New Roman" panose="02020603050405020304" pitchFamily="18" charset="0"/>
+              </a:rPr>
+              <a:t>: </a:t>
             </a:r>
             <a:r>
               <a:rPr lang="en-IN" sz="2000" b="0" i="0" u="none" strike="noStrike" dirty="0">
@@ -8770,8 +10205,7 @@
               <a:t>The next fit is a modified version of </a:t>
             </a:r>
             <a:r>
-              <a:rPr lang="en-IN" sz="2000" b="0" i="0" u="sng" dirty="0">
-                <a:effectLst/>
+              <a:rPr lang="en-IN" sz="2000" dirty="0">
                 <a:latin typeface="Times New Roman" panose="02020603050405020304" pitchFamily="18" charset="0"/>
                 <a:cs typeface="Times New Roman" panose="02020603050405020304" pitchFamily="18" charset="0"/>
               </a:rPr>
@@ -9532,7 +10966,7 @@
         </p:blipFill>
         <p:spPr bwMode="auto">
           <a:xfrm>
-            <a:off x="823699" y="643467"/>
+            <a:off x="823699" y="654618"/>
             <a:ext cx="10544602" cy="5571065"/>
           </a:xfrm>
           <a:prstGeom prst="rect">
@@ -27740,7 +29174,7 @@
         </p:blipFill>
         <p:spPr bwMode="auto">
           <a:xfrm>
-            <a:off x="6096000" y="1303278"/>
+            <a:off x="6096000" y="1120398"/>
             <a:ext cx="6358633" cy="4967617"/>
           </a:xfrm>
           <a:prstGeom prst="rect">
@@ -29965,7 +31399,7 @@
         </p:blipFill>
         <p:spPr bwMode="auto">
           <a:xfrm>
-            <a:off x="5295320" y="1232108"/>
+            <a:off x="5295320" y="1215483"/>
             <a:ext cx="6253212" cy="4757288"/>
           </a:xfrm>
           <a:prstGeom prst="rect">

--- a/Project- Memory Management Stimulator/OS PROJECT.pptx
+++ b/Project- Memory Management Stimulator/OS PROJECT.pptx
@@ -6115,13 +6115,13 @@
         <p:spPr/>
         <p:txBody>
           <a:bodyPr>
-            <a:normAutofit/>
+            <a:noAutofit/>
           </a:bodyPr>
           <a:lstStyle/>
           <a:p>
             <a:pPr algn="ctr"/>
             <a:r>
-              <a:rPr lang="en-US" altLang="en-IN" sz="4400" b="1" i="0" dirty="0">
+              <a:rPr lang="en-US" altLang="en-IN" sz="3200" b="1" i="0" dirty="0">
                 <a:solidFill>
                   <a:schemeClr val="tx2">
                     <a:lumMod val="75000"/>
@@ -6134,7 +6134,7 @@
               <a:t>PROJECT : COM</a:t>
             </a:r>
             <a:r>
-              <a:rPr lang="en-IN" sz="4400" b="1" i="0" dirty="0">
+              <a:rPr lang="en-IN" sz="3200" b="1" i="0" dirty="0">
                 <a:solidFill>
                   <a:schemeClr val="tx2">
                     <a:lumMod val="75000"/>
@@ -6147,7 +6147,7 @@
               <a:t> </a:t>
             </a:r>
             <a:r>
-              <a:rPr lang="en-US" altLang="en-IN" sz="4400" b="1" i="0" dirty="0">
+              <a:rPr lang="en-US" altLang="en-IN" sz="3200" b="1" i="0" dirty="0">
                 <a:solidFill>
                   <a:schemeClr val="tx2">
                     <a:lumMod val="75000"/>
@@ -6160,7 +6160,7 @@
               <a:t>- 312</a:t>
             </a:r>
             <a:br>
-              <a:rPr lang="en-US" altLang="en-IN" sz="6000" b="1" i="0" dirty="0">
+              <a:rPr lang="en-US" altLang="en-IN" sz="3200" b="1" i="0" dirty="0">
                 <a:solidFill>
                   <a:schemeClr val="tx2">
                     <a:lumMod val="75000"/>
@@ -6171,7 +6171,32 @@
                 <a:cs typeface="Times New Roman" panose="02020603050405020304" charset="0"/>
               </a:rPr>
             </a:br>
-            <a:endParaRPr lang="en-IN" dirty="0">
+            <a:r>
+              <a:rPr lang="en-US" altLang="en-IN" sz="3200" b="1" i="0" dirty="0">
+                <a:solidFill>
+                  <a:schemeClr val="tx2">
+                    <a:lumMod val="75000"/>
+                  </a:schemeClr>
+                </a:solidFill>
+                <a:effectLst/>
+                <a:latin typeface="Times New Roman" panose="02020603050405020304" charset="0"/>
+                <a:cs typeface="Times New Roman" panose="02020603050405020304" charset="0"/>
+              </a:rPr>
+              <a:t>MEMORY MANAGEMENT SIMULATOR</a:t>
+            </a:r>
+            <a:br>
+              <a:rPr lang="en-US" altLang="en-IN" sz="3200" b="1" i="0" dirty="0">
+                <a:solidFill>
+                  <a:schemeClr val="tx2">
+                    <a:lumMod val="75000"/>
+                  </a:schemeClr>
+                </a:solidFill>
+                <a:effectLst/>
+                <a:latin typeface="Times New Roman" panose="02020603050405020304" charset="0"/>
+                <a:cs typeface="Times New Roman" panose="02020603050405020304" charset="0"/>
+              </a:rPr>
+            </a:br>
+            <a:endParaRPr lang="en-IN" sz="3200" dirty="0">
               <a:solidFill>
                 <a:schemeClr val="tx2">
                   <a:lumMod val="75000"/>
@@ -6484,7 +6509,7 @@
         </p:blipFill>
         <p:spPr>
           <a:xfrm>
-            <a:off x="3638808" y="1122363"/>
+            <a:off x="3638808" y="1356719"/>
             <a:ext cx="4914383" cy="1939911"/>
           </a:xfrm>
           <a:prstGeom prst="rect">
@@ -6712,8 +6737,8 @@
         </p:blipFill>
         <p:spPr>
           <a:xfrm>
-            <a:off x="0" y="1223459"/>
-            <a:ext cx="12192000" cy="5634541"/>
+            <a:off x="501805" y="1223459"/>
+            <a:ext cx="10671717" cy="5634541"/>
           </a:xfrm>
         </p:spPr>
       </p:pic>
@@ -6802,8 +6827,8 @@
         </p:blipFill>
         <p:spPr>
           <a:xfrm>
-            <a:off x="0" y="0"/>
-            <a:ext cx="12192000" cy="6858000"/>
+            <a:off x="646771" y="0"/>
+            <a:ext cx="10370634" cy="6858000"/>
           </a:xfrm>
         </p:spPr>
       </p:pic>
@@ -6892,8 +6917,8 @@
         </p:blipFill>
         <p:spPr>
           <a:xfrm>
-            <a:off x="-53340" y="0"/>
-            <a:ext cx="12245340" cy="6858000"/>
+            <a:off x="983166" y="100361"/>
+            <a:ext cx="9743750" cy="6858000"/>
           </a:xfrm>
         </p:spPr>
       </p:pic>
@@ -6982,8 +7007,8 @@
         </p:blipFill>
         <p:spPr>
           <a:xfrm>
-            <a:off x="0" y="68750"/>
-            <a:ext cx="12192000" cy="6789250"/>
+            <a:off x="927410" y="0"/>
+            <a:ext cx="10337180" cy="6789250"/>
           </a:xfrm>
         </p:spPr>
       </p:pic>
@@ -7072,8 +7097,8 @@
         </p:blipFill>
         <p:spPr>
           <a:xfrm>
-            <a:off x="0" y="0"/>
-            <a:ext cx="12192000" cy="6858000"/>
+            <a:off x="966439" y="0"/>
+            <a:ext cx="10259122" cy="6858000"/>
           </a:xfrm>
         </p:spPr>
       </p:pic>
@@ -7162,8 +7187,8 @@
         </p:blipFill>
         <p:spPr>
           <a:xfrm>
-            <a:off x="0" y="0"/>
-            <a:ext cx="12192000" cy="6858000"/>
+            <a:off x="382858" y="0"/>
+            <a:ext cx="10970942" cy="6858000"/>
           </a:xfrm>
         </p:spPr>
       </p:pic>
@@ -7268,8 +7293,8 @@
         </p:blipFill>
         <p:spPr>
           <a:xfrm>
-            <a:off x="0" y="1427356"/>
-            <a:ext cx="12192000" cy="5430644"/>
+            <a:off x="715536" y="1427356"/>
+            <a:ext cx="10760927" cy="5430644"/>
           </a:xfrm>
         </p:spPr>
       </p:pic>
@@ -7374,8 +7399,8 @@
         </p:blipFill>
         <p:spPr>
           <a:xfrm>
-            <a:off x="0" y="1494262"/>
-            <a:ext cx="12192000" cy="5363737"/>
+            <a:off x="669073" y="1494263"/>
+            <a:ext cx="10853854" cy="5363737"/>
           </a:xfrm>
         </p:spPr>
       </p:pic>
@@ -7478,8 +7503,8 @@
         </p:blipFill>
         <p:spPr>
           <a:xfrm>
-            <a:off x="0" y="1325563"/>
-            <a:ext cx="12192000" cy="5532437"/>
+            <a:off x="838200" y="1325563"/>
+            <a:ext cx="10515600" cy="5532437"/>
           </a:xfrm>
         </p:spPr>
       </p:pic>
@@ -7582,8 +7607,8 @@
         </p:blipFill>
         <p:spPr>
           <a:xfrm>
-            <a:off x="0" y="1527717"/>
-            <a:ext cx="12192000" cy="5147720"/>
+            <a:off x="602166" y="1710280"/>
+            <a:ext cx="10987668" cy="5147720"/>
           </a:xfrm>
           <a:prstGeom prst="rect">
             <a:avLst/>
@@ -8380,8 +8405,8 @@
         </p:blipFill>
         <p:spPr>
           <a:xfrm>
-            <a:off x="0" y="1449659"/>
-            <a:ext cx="11686736" cy="5408341"/>
+            <a:off x="838199" y="1449659"/>
+            <a:ext cx="10515601" cy="5408341"/>
           </a:xfrm>
         </p:spPr>
       </p:pic>
